--- a/1 am/معالج النصوص 2/عمليات على الوثيقة 2/cours 14/عرض الدرس.pptx
+++ b/1 am/معالج النصوص 2/عمليات على الوثيقة 2/cours 14/عرض الدرس.pptx
@@ -9,10 +9,9 @@
     <p:sldId id="263" r:id="rId3"/>
     <p:sldId id="262" r:id="rId4"/>
     <p:sldId id="265" r:id="rId5"/>
-    <p:sldId id="267" r:id="rId6"/>
-    <p:sldId id="261" r:id="rId7"/>
-    <p:sldId id="266" r:id="rId8"/>
-    <p:sldId id="259" r:id="rId9"/>
+    <p:sldId id="261" r:id="rId6"/>
+    <p:sldId id="266" r:id="rId7"/>
+    <p:sldId id="259" r:id="rId8"/>
   </p:sldIdLst>
   <p:sldSz cx="12192000" cy="6858000"/>
   <p:notesSz cx="6858000" cy="9144000"/>
@@ -250,7 +249,7 @@
           <a:p>
             <a:fld id="{33E46DBA-FA3B-4C5F-B700-4671668DAB72}" type="datetimeFigureOut">
               <a:rPr lang="fr-FR" smtClean="0"/>
-              <a:t>17/02/2025</a:t>
+              <a:t>14/04/2025</a:t>
             </a:fld>
             <a:endParaRPr lang="fr-FR"/>
           </a:p>
@@ -420,7 +419,7 @@
           <a:p>
             <a:fld id="{33E46DBA-FA3B-4C5F-B700-4671668DAB72}" type="datetimeFigureOut">
               <a:rPr lang="fr-FR" smtClean="0"/>
-              <a:t>17/02/2025</a:t>
+              <a:t>14/04/2025</a:t>
             </a:fld>
             <a:endParaRPr lang="fr-FR"/>
           </a:p>
@@ -600,7 +599,7 @@
           <a:p>
             <a:fld id="{33E46DBA-FA3B-4C5F-B700-4671668DAB72}" type="datetimeFigureOut">
               <a:rPr lang="fr-FR" smtClean="0"/>
-              <a:t>17/02/2025</a:t>
+              <a:t>14/04/2025</a:t>
             </a:fld>
             <a:endParaRPr lang="fr-FR"/>
           </a:p>
@@ -770,7 +769,7 @@
           <a:p>
             <a:fld id="{33E46DBA-FA3B-4C5F-B700-4671668DAB72}" type="datetimeFigureOut">
               <a:rPr lang="fr-FR" smtClean="0"/>
-              <a:t>17/02/2025</a:t>
+              <a:t>14/04/2025</a:t>
             </a:fld>
             <a:endParaRPr lang="fr-FR"/>
           </a:p>
@@ -1016,7 +1015,7 @@
           <a:p>
             <a:fld id="{33E46DBA-FA3B-4C5F-B700-4671668DAB72}" type="datetimeFigureOut">
               <a:rPr lang="fr-FR" smtClean="0"/>
-              <a:t>17/02/2025</a:t>
+              <a:t>14/04/2025</a:t>
             </a:fld>
             <a:endParaRPr lang="fr-FR"/>
           </a:p>
@@ -1248,7 +1247,7 @@
           <a:p>
             <a:fld id="{33E46DBA-FA3B-4C5F-B700-4671668DAB72}" type="datetimeFigureOut">
               <a:rPr lang="fr-FR" smtClean="0"/>
-              <a:t>17/02/2025</a:t>
+              <a:t>14/04/2025</a:t>
             </a:fld>
             <a:endParaRPr lang="fr-FR"/>
           </a:p>
@@ -1615,7 +1614,7 @@
           <a:p>
             <a:fld id="{33E46DBA-FA3B-4C5F-B700-4671668DAB72}" type="datetimeFigureOut">
               <a:rPr lang="fr-FR" smtClean="0"/>
-              <a:t>17/02/2025</a:t>
+              <a:t>14/04/2025</a:t>
             </a:fld>
             <a:endParaRPr lang="fr-FR"/>
           </a:p>
@@ -1733,7 +1732,7 @@
           <a:p>
             <a:fld id="{33E46DBA-FA3B-4C5F-B700-4671668DAB72}" type="datetimeFigureOut">
               <a:rPr lang="fr-FR" smtClean="0"/>
-              <a:t>17/02/2025</a:t>
+              <a:t>14/04/2025</a:t>
             </a:fld>
             <a:endParaRPr lang="fr-FR"/>
           </a:p>
@@ -1828,7 +1827,7 @@
           <a:p>
             <a:fld id="{33E46DBA-FA3B-4C5F-B700-4671668DAB72}" type="datetimeFigureOut">
               <a:rPr lang="fr-FR" smtClean="0"/>
-              <a:t>17/02/2025</a:t>
+              <a:t>14/04/2025</a:t>
             </a:fld>
             <a:endParaRPr lang="fr-FR"/>
           </a:p>
@@ -2105,7 +2104,7 @@
           <a:p>
             <a:fld id="{33E46DBA-FA3B-4C5F-B700-4671668DAB72}" type="datetimeFigureOut">
               <a:rPr lang="fr-FR" smtClean="0"/>
-              <a:t>17/02/2025</a:t>
+              <a:t>14/04/2025</a:t>
             </a:fld>
             <a:endParaRPr lang="fr-FR"/>
           </a:p>
@@ -2358,7 +2357,7 @@
           <a:p>
             <a:fld id="{33E46DBA-FA3B-4C5F-B700-4671668DAB72}" type="datetimeFigureOut">
               <a:rPr lang="fr-FR" smtClean="0"/>
-              <a:t>17/02/2025</a:t>
+              <a:t>14/04/2025</a:t>
             </a:fld>
             <a:endParaRPr lang="fr-FR"/>
           </a:p>
@@ -2571,7 +2570,7 @@
           <a:p>
             <a:fld id="{33E46DBA-FA3B-4C5F-B700-4671668DAB72}" type="datetimeFigureOut">
               <a:rPr lang="fr-FR" smtClean="0"/>
-              <a:t>17/02/2025</a:t>
+              <a:t>14/04/2025</a:t>
             </a:fld>
             <a:endParaRPr lang="fr-FR"/>
           </a:p>
@@ -3039,7 +3038,7 @@
         <p:spPr>
           <a:xfrm>
             <a:off x="467544" y="1210290"/>
-            <a:ext cx="11269344" cy="584775"/>
+            <a:ext cx="11269344" cy="1077218"/>
           </a:xfrm>
           <a:prstGeom prst="rect">
             <a:avLst/>
@@ -3051,21 +3050,32 @@
           </a:bodyPr>
           <a:lstStyle/>
           <a:p>
-            <a:pPr marL="457200" lvl="0" indent="-457200" algn="r" rtl="1">
+            <a:pPr marL="457200" indent="-457200" algn="r" rtl="1">
               <a:buFont typeface="Wingdings" panose="05000000000000000000" pitchFamily="2" charset="2"/>
               <a:buChar char="ü"/>
             </a:pPr>
             <a:r>
-              <a:rPr lang="ar-DZ" sz="3200" dirty="0" smtClean="0">
-                <a:cs typeface="+mj-cs"/>
-              </a:rPr>
-              <a:t>ما هي مراحل انشاء ملف نص أو مجلد ؟</a:t>
-            </a:r>
-            <a:endParaRPr lang="ar-DZ" sz="3200" dirty="0" smtClean="0">
-              <a:latin typeface="Times New Roman" panose="02020603050405020304" pitchFamily="18" charset="0"/>
-              <a:ea typeface="Calibri" panose="020F0502020204030204" pitchFamily="34" charset="0"/>
-              <a:cs typeface="+mj-cs"/>
-            </a:endParaRPr>
+              <a:rPr lang="ar-DZ" sz="3200" dirty="0" smtClean="0"/>
+              <a:t>كيف </a:t>
+            </a:r>
+            <a:r>
+              <a:rPr lang="ar-DZ" sz="3200" dirty="0"/>
+              <a:t>يمكن إنشاء وثيقة ؟ </a:t>
+            </a:r>
+          </a:p>
+          <a:p>
+            <a:pPr marL="457200" indent="-457200" algn="r" rtl="1">
+              <a:buFont typeface="Wingdings" panose="05000000000000000000" pitchFamily="2" charset="2"/>
+              <a:buChar char="ü"/>
+            </a:pPr>
+            <a:r>
+              <a:rPr lang="ar-DZ" sz="3200" dirty="0" smtClean="0"/>
+              <a:t>كيف </a:t>
+            </a:r>
+            <a:r>
+              <a:rPr lang="ar-DZ" sz="3200" dirty="0"/>
+              <a:t>يمكن حفظ وثيقة ؟</a:t>
+            </a:r>
           </a:p>
         </p:txBody>
       </p:sp>
@@ -3169,36 +3179,6 @@
           </a:p>
         </p:txBody>
       </p:sp>
-      <p:pic>
-        <p:nvPicPr>
-          <p:cNvPr id="3" name="Image 2"/>
-          <p:cNvPicPr>
-            <a:picLocks noChangeAspect="1"/>
-          </p:cNvPicPr>
-          <p:nvPr/>
-        </p:nvPicPr>
-        <p:blipFill>
-          <a:blip r:embed="rId2">
-            <a:extLst>
-              <a:ext uri="{28A0092B-C50C-407E-A947-70E740481C1C}">
-                <a14:useLocalDpi xmlns:a14="http://schemas.microsoft.com/office/drawing/2010/main" val="0"/>
-              </a:ext>
-            </a:extLst>
-          </a:blip>
-          <a:stretch>
-            <a:fillRect/>
-          </a:stretch>
-        </p:blipFill>
-        <p:spPr>
-          <a:xfrm>
-            <a:off x="2398877" y="1964001"/>
-            <a:ext cx="7406677" cy="4603093"/>
-          </a:xfrm>
-          <a:prstGeom prst="rect">
-            <a:avLst/>
-          </a:prstGeom>
-        </p:spPr>
-      </p:pic>
     </p:spTree>
     <p:extLst>
       <p:ext uri="{BB962C8B-B14F-4D97-AF65-F5344CB8AC3E}">
@@ -3220,132 +3200,7 @@
   <p:timing>
     <p:tnLst>
       <p:par>
-        <p:cTn id="1" dur="indefinite" restart="never" nodeType="tmRoot">
-          <p:childTnLst>
-            <p:seq concurrent="1" nextAc="seek">
-              <p:cTn id="2" dur="indefinite" nodeType="mainSeq">
-                <p:childTnLst>
-                  <p:par>
-                    <p:cTn id="3" fill="hold">
-                      <p:stCondLst>
-                        <p:cond delay="indefinite"/>
-                        <p:cond evt="onBegin" delay="0">
-                          <p:tn val="2"/>
-                        </p:cond>
-                      </p:stCondLst>
-                      <p:childTnLst>
-                        <p:par>
-                          <p:cTn id="4" fill="hold">
-                            <p:stCondLst>
-                              <p:cond delay="0"/>
-                            </p:stCondLst>
-                            <p:childTnLst>
-                              <p:par>
-                                <p:cTn id="5" presetID="42" presetClass="entr" presetSubtype="0" fill="hold" nodeType="withEffect">
-                                  <p:stCondLst>
-                                    <p:cond delay="0"/>
-                                  </p:stCondLst>
-                                  <p:childTnLst>
-                                    <p:set>
-                                      <p:cBhvr>
-                                        <p:cTn id="6" dur="1" fill="hold">
-                                          <p:stCondLst>
-                                            <p:cond delay="0"/>
-                                          </p:stCondLst>
-                                        </p:cTn>
-                                        <p:tgtEl>
-                                          <p:spTgt spid="3"/>
-                                        </p:tgtEl>
-                                        <p:attrNameLst>
-                                          <p:attrName>style.visibility</p:attrName>
-                                        </p:attrNameLst>
-                                      </p:cBhvr>
-                                      <p:to>
-                                        <p:strVal val="visible"/>
-                                      </p:to>
-                                    </p:set>
-                                    <p:animEffect transition="in" filter="fade">
-                                      <p:cBhvr>
-                                        <p:cTn id="7" dur="1000"/>
-                                        <p:tgtEl>
-                                          <p:spTgt spid="3"/>
-                                        </p:tgtEl>
-                                      </p:cBhvr>
-                                    </p:animEffect>
-                                    <p:anim calcmode="lin" valueType="num">
-                                      <p:cBhvr>
-                                        <p:cTn id="8" dur="1000" fill="hold"/>
-                                        <p:tgtEl>
-                                          <p:spTgt spid="3"/>
-                                        </p:tgtEl>
-                                        <p:attrNameLst>
-                                          <p:attrName>ppt_x</p:attrName>
-                                        </p:attrNameLst>
-                                      </p:cBhvr>
-                                      <p:tavLst>
-                                        <p:tav tm="0">
-                                          <p:val>
-                                            <p:strVal val="#ppt_x"/>
-                                          </p:val>
-                                        </p:tav>
-                                        <p:tav tm="100000">
-                                          <p:val>
-                                            <p:strVal val="#ppt_x"/>
-                                          </p:val>
-                                        </p:tav>
-                                      </p:tavLst>
-                                    </p:anim>
-                                    <p:anim calcmode="lin" valueType="num">
-                                      <p:cBhvr>
-                                        <p:cTn id="9" dur="1000" fill="hold"/>
-                                        <p:tgtEl>
-                                          <p:spTgt spid="3"/>
-                                        </p:tgtEl>
-                                        <p:attrNameLst>
-                                          <p:attrName>ppt_y</p:attrName>
-                                        </p:attrNameLst>
-                                      </p:cBhvr>
-                                      <p:tavLst>
-                                        <p:tav tm="0">
-                                          <p:val>
-                                            <p:strVal val="#ppt_y+.1"/>
-                                          </p:val>
-                                        </p:tav>
-                                        <p:tav tm="100000">
-                                          <p:val>
-                                            <p:strVal val="#ppt_y"/>
-                                          </p:val>
-                                        </p:tav>
-                                      </p:tavLst>
-                                    </p:anim>
-                                  </p:childTnLst>
-                                </p:cTn>
-                              </p:par>
-                            </p:childTnLst>
-                          </p:cTn>
-                        </p:par>
-                      </p:childTnLst>
-                    </p:cTn>
-                  </p:par>
-                </p:childTnLst>
-              </p:cTn>
-              <p:prevCondLst>
-                <p:cond evt="onPrev" delay="0">
-                  <p:tgtEl>
-                    <p:sldTgt/>
-                  </p:tgtEl>
-                </p:cond>
-              </p:prevCondLst>
-              <p:nextCondLst>
-                <p:cond evt="onNext" delay="0">
-                  <p:tgtEl>
-                    <p:sldTgt/>
-                  </p:tgtEl>
-                </p:cond>
-              </p:nextCondLst>
-            </p:seq>
-          </p:childTnLst>
-        </p:cTn>
+        <p:cTn id="1" dur="indefinite" restart="never" nodeType="tmRoot"/>
       </p:par>
     </p:tnLst>
   </p:timing>
@@ -3432,8 +3287,8 @@
         </p:nvSpPr>
         <p:spPr>
           <a:xfrm>
-            <a:off x="5798859" y="1282062"/>
-            <a:ext cx="6000657" cy="4524315"/>
+            <a:off x="400831" y="1282062"/>
+            <a:ext cx="11398685" cy="2862322"/>
           </a:xfrm>
           <a:prstGeom prst="rect">
             <a:avLst/>
@@ -3446,110 +3301,49 @@
           </a:bodyPr>
           <a:lstStyle/>
           <a:p>
-            <a:pPr marL="571500" lvl="0" indent="-571500" algn="r" rtl="1">
+            <a:pPr algn="r" rtl="1"/>
+            <a:r>
+              <a:rPr lang="ar-DZ" sz="3600" dirty="0"/>
+              <a:t>قرر أمين استخدام برنامج معالج النصوص لكتابة رسالة بمناسبة يوم العلم الموافق لـ 18 </a:t>
+            </a:r>
+            <a:r>
+              <a:rPr lang="ar-DZ" sz="3600" dirty="0" err="1" smtClean="0"/>
+              <a:t>أفريل</a:t>
+            </a:r>
+            <a:r>
+              <a:rPr lang="ar-DZ" sz="3600" dirty="0"/>
+              <a:t>، لكنه وجد صعوبة في تغيير اللغة إلى اللغة العربية ولم يتمكن من كتابة الرموز ( ، : </a:t>
+            </a:r>
+            <a:r>
+              <a:rPr lang="ar-DZ" sz="3600" dirty="0" smtClean="0"/>
+              <a:t>.) </a:t>
+            </a:r>
+            <a:r>
+              <a:rPr lang="ar-DZ" sz="3600" dirty="0"/>
+              <a:t>والحروف (أ إ). </a:t>
+            </a:r>
+            <a:endParaRPr lang="fr-FR" sz="3600" dirty="0" smtClean="0"/>
+          </a:p>
+          <a:p>
+            <a:pPr algn="r" rtl="1"/>
+            <a:endParaRPr lang="ar-DZ" sz="3600" dirty="0"/>
+          </a:p>
+          <a:p>
+            <a:pPr marL="571500" indent="-571500" algn="r" rtl="1">
               <a:buFont typeface="Wingdings" panose="05000000000000000000" pitchFamily="2" charset="2"/>
               <a:buChar char="Ø"/>
             </a:pPr>
             <a:r>
+              <a:rPr lang="ar-DZ" sz="3600" dirty="0" smtClean="0"/>
+              <a:t>كيف </a:t>
+            </a:r>
+            <a:r>
               <a:rPr lang="ar-DZ" sz="3600" dirty="0"/>
-              <a:t>اليك الصورة التالية تمثل </a:t>
-            </a:r>
-            <a:r>
-              <a:rPr lang="ar-DZ" sz="3600" dirty="0" smtClean="0"/>
-              <a:t>الملفات </a:t>
-            </a:r>
-            <a:r>
-              <a:rPr lang="ar-DZ" sz="3600" dirty="0"/>
-              <a:t>الموجودة </a:t>
-            </a:r>
-            <a:r>
-              <a:rPr lang="ar-DZ" sz="3600" dirty="0" smtClean="0"/>
-              <a:t>على </a:t>
-            </a:r>
-            <a:r>
-              <a:rPr lang="ar-DZ" sz="3600" dirty="0"/>
-              <a:t>سطح المكتب</a:t>
-            </a:r>
-            <a:r>
-              <a:rPr lang="ar-DZ" sz="3600" dirty="0" smtClean="0"/>
-              <a:t>.</a:t>
-            </a:r>
-            <a:r>
-              <a:rPr lang="ar-DZ" sz="3600" dirty="0"/>
-              <a:t> جزء من سطح المكتب.</a:t>
-            </a:r>
-            <a:endParaRPr lang="fr-FR" sz="3600" dirty="0"/>
-          </a:p>
-          <a:p>
-            <a:pPr marL="571500" lvl="0" indent="-571500" algn="r" rtl="1">
-              <a:buFont typeface="Wingdings" panose="05000000000000000000" pitchFamily="2" charset="2"/>
-              <a:buChar char="Ø"/>
-            </a:pPr>
-            <a:r>
-              <a:rPr lang="ar-DZ" sz="3600" dirty="0"/>
-              <a:t>كيف نسمي هذه العناصر الموجودة على سطح المكتب ؟</a:t>
-            </a:r>
-            <a:endParaRPr lang="fr-FR" sz="3600" dirty="0"/>
-          </a:p>
-          <a:p>
-            <a:pPr marL="571500" lvl="0" indent="-571500" algn="r" rtl="1">
-              <a:buFont typeface="Wingdings" panose="05000000000000000000" pitchFamily="2" charset="2"/>
-              <a:buChar char="Ø"/>
-            </a:pPr>
-            <a:r>
-              <a:rPr lang="ar-DZ" sz="3600" dirty="0"/>
-              <a:t>ما نوعها ؟</a:t>
-            </a:r>
-            <a:endParaRPr lang="fr-FR" sz="3600" dirty="0"/>
-          </a:p>
-          <a:p>
-            <a:pPr marL="571500" lvl="0" indent="-571500" algn="r" rtl="1">
-              <a:buFont typeface="Wingdings" panose="05000000000000000000" pitchFamily="2" charset="2"/>
-              <a:buChar char="Ø"/>
-            </a:pPr>
-            <a:r>
-              <a:rPr lang="ar-DZ" sz="3600" dirty="0"/>
-              <a:t>ما العمل الذي يجب ان نقوم به لتنظيم </a:t>
-            </a:r>
-            <a:endParaRPr lang="ar-DZ" sz="3600" dirty="0">
-              <a:solidFill>
-                <a:srgbClr val="00B0F0"/>
-              </a:solidFill>
-              <a:cs typeface="+mj-cs"/>
-            </a:endParaRPr>
-          </a:p>
-        </p:txBody>
-      </p:sp>
-      <p:pic>
-        <p:nvPicPr>
-          <p:cNvPr id="2" name="Image 1"/>
-          <p:cNvPicPr>
-            <a:picLocks noChangeAspect="1"/>
-          </p:cNvPicPr>
-          <p:nvPr/>
-        </p:nvPicPr>
-        <p:blipFill>
-          <a:blip r:embed="rId2">
-            <a:extLst>
-              <a:ext uri="{28A0092B-C50C-407E-A947-70E740481C1C}">
-                <a14:useLocalDpi xmlns:a14="http://schemas.microsoft.com/office/drawing/2010/main" val="0"/>
-              </a:ext>
-            </a:extLst>
-          </a:blip>
-          <a:stretch>
-            <a:fillRect/>
-          </a:stretch>
-        </p:blipFill>
-        <p:spPr>
-          <a:xfrm>
-            <a:off x="400831" y="1282062"/>
-            <a:ext cx="5523288" cy="4660113"/>
-          </a:xfrm>
-          <a:prstGeom prst="rect">
-            <a:avLst/>
-          </a:prstGeom>
-        </p:spPr>
-      </p:pic>
+              <a:t>يمكن مساعدة أمين لتخطي هذه الصعوبة ؟ </a:t>
+            </a:r>
+          </a:p>
+        </p:txBody>
+      </p:sp>
     </p:spTree>
     <p:extLst>
       <p:ext uri="{BB962C8B-B14F-4D97-AF65-F5344CB8AC3E}">
@@ -3566,132 +3360,7 @@
   <p:timing>
     <p:tnLst>
       <p:par>
-        <p:cTn id="1" dur="indefinite" restart="never" nodeType="tmRoot">
-          <p:childTnLst>
-            <p:seq concurrent="1" nextAc="seek">
-              <p:cTn id="2" dur="indefinite" nodeType="mainSeq">
-                <p:childTnLst>
-                  <p:par>
-                    <p:cTn id="3" fill="hold">
-                      <p:stCondLst>
-                        <p:cond delay="indefinite"/>
-                        <p:cond evt="onBegin" delay="0">
-                          <p:tn val="2"/>
-                        </p:cond>
-                      </p:stCondLst>
-                      <p:childTnLst>
-                        <p:par>
-                          <p:cTn id="4" fill="hold">
-                            <p:stCondLst>
-                              <p:cond delay="0"/>
-                            </p:stCondLst>
-                            <p:childTnLst>
-                              <p:par>
-                                <p:cTn id="5" presetID="42" presetClass="entr" presetSubtype="0" fill="hold" nodeType="withEffect">
-                                  <p:stCondLst>
-                                    <p:cond delay="0"/>
-                                  </p:stCondLst>
-                                  <p:childTnLst>
-                                    <p:set>
-                                      <p:cBhvr>
-                                        <p:cTn id="6" dur="1" fill="hold">
-                                          <p:stCondLst>
-                                            <p:cond delay="0"/>
-                                          </p:stCondLst>
-                                        </p:cTn>
-                                        <p:tgtEl>
-                                          <p:spTgt spid="2"/>
-                                        </p:tgtEl>
-                                        <p:attrNameLst>
-                                          <p:attrName>style.visibility</p:attrName>
-                                        </p:attrNameLst>
-                                      </p:cBhvr>
-                                      <p:to>
-                                        <p:strVal val="visible"/>
-                                      </p:to>
-                                    </p:set>
-                                    <p:animEffect transition="in" filter="fade">
-                                      <p:cBhvr>
-                                        <p:cTn id="7" dur="1000"/>
-                                        <p:tgtEl>
-                                          <p:spTgt spid="2"/>
-                                        </p:tgtEl>
-                                      </p:cBhvr>
-                                    </p:animEffect>
-                                    <p:anim calcmode="lin" valueType="num">
-                                      <p:cBhvr>
-                                        <p:cTn id="8" dur="1000" fill="hold"/>
-                                        <p:tgtEl>
-                                          <p:spTgt spid="2"/>
-                                        </p:tgtEl>
-                                        <p:attrNameLst>
-                                          <p:attrName>ppt_x</p:attrName>
-                                        </p:attrNameLst>
-                                      </p:cBhvr>
-                                      <p:tavLst>
-                                        <p:tav tm="0">
-                                          <p:val>
-                                            <p:strVal val="#ppt_x"/>
-                                          </p:val>
-                                        </p:tav>
-                                        <p:tav tm="100000">
-                                          <p:val>
-                                            <p:strVal val="#ppt_x"/>
-                                          </p:val>
-                                        </p:tav>
-                                      </p:tavLst>
-                                    </p:anim>
-                                    <p:anim calcmode="lin" valueType="num">
-                                      <p:cBhvr>
-                                        <p:cTn id="9" dur="1000" fill="hold"/>
-                                        <p:tgtEl>
-                                          <p:spTgt spid="2"/>
-                                        </p:tgtEl>
-                                        <p:attrNameLst>
-                                          <p:attrName>ppt_y</p:attrName>
-                                        </p:attrNameLst>
-                                      </p:cBhvr>
-                                      <p:tavLst>
-                                        <p:tav tm="0">
-                                          <p:val>
-                                            <p:strVal val="#ppt_y+.1"/>
-                                          </p:val>
-                                        </p:tav>
-                                        <p:tav tm="100000">
-                                          <p:val>
-                                            <p:strVal val="#ppt_y"/>
-                                          </p:val>
-                                        </p:tav>
-                                      </p:tavLst>
-                                    </p:anim>
-                                  </p:childTnLst>
-                                </p:cTn>
-                              </p:par>
-                            </p:childTnLst>
-                          </p:cTn>
-                        </p:par>
-                      </p:childTnLst>
-                    </p:cTn>
-                  </p:par>
-                </p:childTnLst>
-              </p:cTn>
-              <p:prevCondLst>
-                <p:cond evt="onPrev" delay="0">
-                  <p:tgtEl>
-                    <p:sldTgt/>
-                  </p:tgtEl>
-                </p:cond>
-              </p:prevCondLst>
-              <p:nextCondLst>
-                <p:cond evt="onNext" delay="0">
-                  <p:tgtEl>
-                    <p:sldTgt/>
-                  </p:tgtEl>
-                </p:cond>
-              </p:nextCondLst>
-            </p:seq>
-          </p:childTnLst>
-        </p:cTn>
+        <p:cTn id="1" dur="indefinite" restart="never" nodeType="tmRoot"/>
       </p:par>
     </p:tnLst>
   </p:timing>
@@ -3723,7 +3392,7 @@
         </p:nvSpPr>
         <p:spPr>
           <a:xfrm>
-            <a:off x="538619" y="750364"/>
+            <a:off x="538619" y="863098"/>
             <a:ext cx="11348581" cy="1077218"/>
           </a:xfrm>
           <a:prstGeom prst="rect">
@@ -3753,34 +3422,32 @@
           </a:bodyPr>
           <a:lstStyle/>
           <a:p>
-            <a:pPr algn="r" rtl="1"/>
-            <a:r>
-              <a:rPr lang="ar-SA" sz="3200" dirty="0">
-                <a:cs typeface="+mj-cs"/>
-              </a:rPr>
-              <a:t>قم الى حاسوبك و حاول انشاء مجلد على سطح المكتب تحت اسم "صور" و حاول نسخ الصور الموجودة على سطح المكتب بداخله مستعينا بالخريطة </a:t>
-            </a:r>
-            <a:r>
-              <a:rPr lang="ar-SA" sz="3200" dirty="0" smtClean="0">
-                <a:cs typeface="+mj-cs"/>
-              </a:rPr>
-              <a:t>الاتية</a:t>
-            </a:r>
-            <a:r>
-              <a:rPr lang="fr-FR" sz="3200" dirty="0" smtClean="0">
-                <a:cs typeface="+mj-cs"/>
-              </a:rPr>
-              <a:t> </a:t>
-            </a:r>
-            <a:r>
-              <a:rPr lang="ar-SA" sz="3200" dirty="0" smtClean="0">
-                <a:cs typeface="+mj-cs"/>
-              </a:rPr>
-              <a:t>:</a:t>
-            </a:r>
-            <a:endParaRPr lang="ar-DZ" sz="3200" dirty="0">
-              <a:cs typeface="+mj-cs"/>
-            </a:endParaRPr>
+            <a:pPr marL="457200" indent="-457200" algn="r" rtl="1">
+              <a:buFont typeface="Wingdings" panose="05000000000000000000" pitchFamily="2" charset="2"/>
+              <a:buChar char="Ø"/>
+            </a:pPr>
+            <a:r>
+              <a:rPr lang="ar-DZ" sz="3200" dirty="0" smtClean="0"/>
+              <a:t>كيف </a:t>
+            </a:r>
+            <a:r>
+              <a:rPr lang="ar-DZ" sz="3200" dirty="0"/>
+              <a:t>يمكن تغيير لغة الكتابة ؟ </a:t>
+            </a:r>
+          </a:p>
+          <a:p>
+            <a:pPr marL="457200" indent="-457200" algn="r" rtl="1">
+              <a:buFont typeface="Wingdings" panose="05000000000000000000" pitchFamily="2" charset="2"/>
+              <a:buChar char="Ø"/>
+            </a:pPr>
+            <a:r>
+              <a:rPr lang="ar-DZ" sz="3200" dirty="0" smtClean="0"/>
+              <a:t>من </a:t>
+            </a:r>
+            <a:r>
+              <a:rPr lang="ar-DZ" sz="3200" dirty="0"/>
+              <a:t>بين الأزرار التالية، اختر الزر المناسب الذي يسمح لنا بتغيير اتجاه الكتابة : </a:t>
+            </a:r>
           </a:p>
         </p:txBody>
       </p:sp>
@@ -3823,10 +3490,10 @@
                 <a:ea typeface="Times New Roman" panose="02020603050405020304" pitchFamily="18" charset="0"/>
                 <a:cs typeface="Times New Roman" panose="02020603050405020304" pitchFamily="18" charset="0"/>
               </a:rPr>
-              <a:t>نشاط 01 :</a:t>
-            </a:r>
-            <a:r>
-              <a:rPr lang="ar-DZ" sz="3600" b="1" dirty="0" smtClean="0">
+              <a:t>نشاط 01 </a:t>
+            </a:r>
+            <a:r>
+              <a:rPr lang="ar-DZ" sz="3600" b="1" u="sng" dirty="0" smtClean="0">
                 <a:solidFill>
                   <a:srgbClr val="FF0000"/>
                 </a:solidFill>
@@ -3835,31 +3502,7 @@
                 <a:ea typeface="Times New Roman" panose="02020603050405020304" pitchFamily="18" charset="0"/>
                 <a:cs typeface="Times New Roman" panose="02020603050405020304" pitchFamily="18" charset="0"/>
               </a:rPr>
-              <a:t> </a:t>
-            </a:r>
-            <a:r>
-              <a:rPr lang="ar-DZ" sz="2800" b="1" dirty="0">
-                <a:solidFill>
-                  <a:srgbClr val="0070C0"/>
-                </a:solidFill>
-              </a:rPr>
-              <a:t>(</a:t>
-            </a:r>
-            <a:r>
-              <a:rPr lang="ar-DZ" sz="2800" b="1" dirty="0" smtClean="0">
-                <a:solidFill>
-                  <a:srgbClr val="0070C0"/>
-                </a:solidFill>
-              </a:rPr>
-              <a:t>نسخ </a:t>
-            </a:r>
-            <a:r>
-              <a:rPr lang="ar-DZ" sz="2800" b="1" dirty="0">
-                <a:solidFill>
-                  <a:srgbClr val="0070C0"/>
-                </a:solidFill>
-              </a:rPr>
-              <a:t>صور سطح المكتب إلي المجلد "صور")</a:t>
+              <a:t>:</a:t>
             </a:r>
             <a:endParaRPr lang="fr-FR" sz="2800" b="1" dirty="0">
               <a:solidFill>
@@ -3871,24 +3514,166 @@
       </p:sp>
       <p:pic>
         <p:nvPicPr>
-          <p:cNvPr id="7" name="Image 6"/>
-          <p:cNvPicPr/>
+          <p:cNvPr id="2051" name="Image 538889924"/>
+          <p:cNvPicPr>
+            <a:picLocks noChangeAspect="1" noChangeArrowheads="1"/>
+          </p:cNvPicPr>
           <p:nvPr/>
         </p:nvPicPr>
         <p:blipFill>
-          <a:blip r:embed="rId2"/>
+          <a:blip r:embed="rId2">
+            <a:extLst>
+              <a:ext uri="{28A0092B-C50C-407E-A947-70E740481C1C}">
+                <a14:useLocalDpi xmlns:a14="http://schemas.microsoft.com/office/drawing/2010/main" val="0"/>
+              </a:ext>
+            </a:extLst>
+          </a:blip>
+          <a:srcRect/>
           <a:stretch>
             <a:fillRect/>
           </a:stretch>
         </p:blipFill>
-        <p:spPr>
+        <p:spPr bwMode="auto">
           <a:xfrm>
-            <a:off x="3594971" y="1852035"/>
-            <a:ext cx="6458506" cy="5005965"/>
+            <a:off x="538619" y="2878611"/>
+            <a:ext cx="1816658" cy="1086046"/>
           </a:xfrm>
           <a:prstGeom prst="rect">
             <a:avLst/>
           </a:prstGeom>
+          <a:noFill/>
+          <a:extLst>
+            <a:ext uri="{909E8E84-426E-40DD-AFC4-6F175D3DCCD1}">
+              <a14:hiddenFill xmlns:a14="http://schemas.microsoft.com/office/drawing/2010/main">
+                <a:solidFill>
+                  <a:srgbClr val="FFFFFF"/>
+                </a:solidFill>
+              </a14:hiddenFill>
+            </a:ext>
+          </a:extLst>
+        </p:spPr>
+      </p:pic>
+      <p:pic>
+        <p:nvPicPr>
+          <p:cNvPr id="2049" name="Image 21"/>
+          <p:cNvPicPr>
+            <a:picLocks noChangeAspect="1" noChangeArrowheads="1"/>
+          </p:cNvPicPr>
+          <p:nvPr/>
+        </p:nvPicPr>
+        <p:blipFill>
+          <a:blip r:embed="rId3">
+            <a:extLst>
+              <a:ext uri="{28A0092B-C50C-407E-A947-70E740481C1C}">
+                <a14:useLocalDpi xmlns:a14="http://schemas.microsoft.com/office/drawing/2010/main" val="0"/>
+              </a:ext>
+            </a:extLst>
+          </a:blip>
+          <a:srcRect/>
+          <a:stretch>
+            <a:fillRect/>
+          </a:stretch>
+        </p:blipFill>
+        <p:spPr bwMode="auto">
+          <a:xfrm>
+            <a:off x="6613743" y="2737371"/>
+            <a:ext cx="1890908" cy="1333588"/>
+          </a:xfrm>
+          <a:prstGeom prst="rect">
+            <a:avLst/>
+          </a:prstGeom>
+          <a:noFill/>
+          <a:extLst>
+            <a:ext uri="{909E8E84-426E-40DD-AFC4-6F175D3DCCD1}">
+              <a14:hiddenFill xmlns:a14="http://schemas.microsoft.com/office/drawing/2010/main">
+                <a:solidFill>
+                  <a:srgbClr val="FFFFFF"/>
+                </a:solidFill>
+              </a14:hiddenFill>
+            </a:ext>
+          </a:extLst>
+        </p:spPr>
+      </p:pic>
+      <p:pic>
+        <p:nvPicPr>
+          <p:cNvPr id="2052" name="Image 20" descr="Comprendre la touche Shift sur un clavier d'ordinateur"/>
+          <p:cNvPicPr>
+            <a:picLocks noChangeAspect="1" noChangeArrowheads="1"/>
+          </p:cNvPicPr>
+          <p:nvPr/>
+        </p:nvPicPr>
+        <p:blipFill>
+          <a:blip r:embed="rId4">
+            <a:extLst>
+              <a:ext uri="{28A0092B-C50C-407E-A947-70E740481C1C}">
+                <a14:useLocalDpi xmlns:a14="http://schemas.microsoft.com/office/drawing/2010/main" val="0"/>
+              </a:ext>
+            </a:extLst>
+          </a:blip>
+          <a:srcRect/>
+          <a:stretch>
+            <a:fillRect/>
+          </a:stretch>
+        </p:blipFill>
+        <p:spPr bwMode="auto">
+          <a:xfrm>
+            <a:off x="9188672" y="2635016"/>
+            <a:ext cx="2298197" cy="1435943"/>
+          </a:xfrm>
+          <a:prstGeom prst="rect">
+            <a:avLst/>
+          </a:prstGeom>
+          <a:noFill/>
+          <a:extLst>
+            <a:ext uri="{909E8E84-426E-40DD-AFC4-6F175D3DCCD1}">
+              <a14:hiddenFill xmlns:a14="http://schemas.microsoft.com/office/drawing/2010/main">
+                <a:solidFill>
+                  <a:srgbClr val="FFFFFF"/>
+                </a:solidFill>
+              </a14:hiddenFill>
+            </a:ext>
+          </a:extLst>
+        </p:spPr>
+      </p:pic>
+      <p:pic>
+        <p:nvPicPr>
+          <p:cNvPr id="2050" name="Image 6" descr="Reconnaitre si je suis en majuscule ou minuscule windows 10 [Résolu]"/>
+          <p:cNvPicPr>
+            <a:picLocks noChangeAspect="1" noChangeArrowheads="1"/>
+          </p:cNvPicPr>
+          <p:nvPr/>
+        </p:nvPicPr>
+        <p:blipFill>
+          <a:blip r:embed="rId5">
+            <a:extLst>
+              <a:ext uri="{28A0092B-C50C-407E-A947-70E740481C1C}">
+                <a14:useLocalDpi xmlns:a14="http://schemas.microsoft.com/office/drawing/2010/main" val="0"/>
+              </a:ext>
+            </a:extLst>
+          </a:blip>
+          <a:srcRect/>
+          <a:stretch>
+            <a:fillRect/>
+          </a:stretch>
+        </p:blipFill>
+        <p:spPr bwMode="auto">
+          <a:xfrm>
+            <a:off x="3240076" y="2631004"/>
+            <a:ext cx="2488867" cy="1439955"/>
+          </a:xfrm>
+          <a:prstGeom prst="rect">
+            <a:avLst/>
+          </a:prstGeom>
+          <a:noFill/>
+          <a:extLst>
+            <a:ext uri="{909E8E84-426E-40DD-AFC4-6F175D3DCCD1}">
+              <a14:hiddenFill xmlns:a14="http://schemas.microsoft.com/office/drawing/2010/main">
+                <a:solidFill>
+                  <a:srgbClr val="FFFFFF"/>
+                </a:solidFill>
+              </a14:hiddenFill>
+            </a:ext>
+          </a:extLst>
         </p:spPr>
       </p:pic>
     </p:spTree>
@@ -3939,7 +3724,7 @@
         </p:nvSpPr>
         <p:spPr>
           <a:xfrm>
-            <a:off x="375781" y="366846"/>
+            <a:off x="375779" y="25291"/>
             <a:ext cx="11511419" cy="622799"/>
           </a:xfrm>
           <a:prstGeom prst="rect">
@@ -3970,10 +3755,10 @@
                 <a:ea typeface="Times New Roman" panose="02020603050405020304" pitchFamily="18" charset="0"/>
                 <a:cs typeface="Times New Roman" panose="02020603050405020304" pitchFamily="18" charset="0"/>
               </a:rPr>
-              <a:t>نشاط 02 :</a:t>
-            </a:r>
-            <a:r>
-              <a:rPr lang="ar-DZ" sz="3200" b="1" dirty="0" smtClean="0">
+              <a:t>نشاط 02 </a:t>
+            </a:r>
+            <a:r>
+              <a:rPr lang="ar-DZ" sz="3200" b="1" u="sng" dirty="0" smtClean="0">
                 <a:solidFill>
                   <a:srgbClr val="FF0000"/>
                 </a:solidFill>
@@ -3982,31 +3767,7 @@
                 <a:ea typeface="Times New Roman" panose="02020603050405020304" pitchFamily="18" charset="0"/>
                 <a:cs typeface="Times New Roman" panose="02020603050405020304" pitchFamily="18" charset="0"/>
               </a:rPr>
-              <a:t> </a:t>
-            </a:r>
-            <a:r>
-              <a:rPr lang="ar-DZ" sz="2800" b="1" dirty="0">
-                <a:solidFill>
-                  <a:srgbClr val="0070C0"/>
-                </a:solidFill>
-              </a:rPr>
-              <a:t>(نقل المجلد "صور" إلى القرص </a:t>
-            </a:r>
-            <a:r>
-              <a:rPr lang="fr-FR" sz="2800" b="1" dirty="0">
-                <a:solidFill>
-                  <a:srgbClr val="0070C0"/>
-                </a:solidFill>
-              </a:rPr>
-              <a:t>D</a:t>
-            </a:r>
-            <a:r>
-              <a:rPr lang="ar-DZ" sz="2800" b="1" dirty="0">
-                <a:solidFill>
-                  <a:srgbClr val="0070C0"/>
-                </a:solidFill>
-              </a:rPr>
-              <a:t>)</a:t>
+              <a:t>:</a:t>
             </a:r>
             <a:endParaRPr lang="fr-FR" sz="2800" dirty="0">
               <a:solidFill>
@@ -4024,8 +3785,8 @@
         </p:nvSpPr>
         <p:spPr>
           <a:xfrm>
-            <a:off x="375781" y="1302800"/>
-            <a:ext cx="11511419" cy="2862322"/>
+            <a:off x="7327726" y="648090"/>
+            <a:ext cx="4559472" cy="2862322"/>
           </a:xfrm>
           <a:prstGeom prst="rect">
             <a:avLst/>
@@ -4037,97 +3798,105 @@
           </a:bodyPr>
           <a:lstStyle/>
           <a:p>
-            <a:pPr marL="571500" lvl="0" indent="-571500" algn="r" rtl="1">
+            <a:pPr marL="571500" indent="-571500" algn="r" rtl="1">
               <a:buFont typeface="Wingdings" panose="05000000000000000000" pitchFamily="2" charset="2"/>
               <a:buChar char="Ø"/>
             </a:pPr>
             <a:r>
-              <a:rPr lang="ar-SA" sz="3600" dirty="0"/>
-              <a:t>احتجت الى نقل المجلد " صور" و وضعه في القرص </a:t>
-            </a:r>
-            <a:r>
-              <a:rPr lang="fr-FR" sz="3600" dirty="0"/>
-              <a:t>D </a:t>
-            </a:r>
+              <a:rPr lang="ar-DZ" sz="3600" dirty="0"/>
+              <a:t>املأ فراغات هذا </a:t>
+            </a:r>
+            <a:r>
+              <a:rPr lang="ar-DZ" sz="3600" dirty="0" smtClean="0"/>
+              <a:t>الجدول</a:t>
+            </a:r>
+            <a:endParaRPr lang="fr-FR" sz="3600" dirty="0" smtClean="0"/>
+          </a:p>
+          <a:p>
+            <a:pPr algn="r" rtl="1"/>
             <a:r>
               <a:rPr lang="ar-DZ" sz="3600" dirty="0" smtClean="0"/>
               <a:t> </a:t>
             </a:r>
             <a:r>
-              <a:rPr lang="ar-SA" sz="3600" dirty="0" smtClean="0"/>
-              <a:t>الموجود </a:t>
-            </a:r>
-            <a:r>
-              <a:rPr lang="ar-SA" sz="3600" dirty="0"/>
-              <a:t>في </a:t>
-            </a:r>
-            <a:r>
-              <a:rPr lang="ar-SA" sz="3600" dirty="0" smtClean="0"/>
-              <a:t>ايقونة</a:t>
-            </a:r>
-            <a:r>
-              <a:rPr lang="fr-FR" sz="3600" dirty="0" smtClean="0"/>
-              <a:t>Ce PC   </a:t>
-            </a:r>
-            <a:endParaRPr lang="fr-FR" sz="3600" dirty="0"/>
-          </a:p>
-          <a:p>
-            <a:pPr marL="571500" lvl="0" indent="-571500" algn="r" rtl="1">
-              <a:buFont typeface="Wingdings" panose="05000000000000000000" pitchFamily="2" charset="2"/>
-              <a:buChar char="Ø"/>
-            </a:pPr>
-            <a:r>
-              <a:rPr lang="ar-SA" sz="3600" dirty="0" smtClean="0"/>
-              <a:t>هل </a:t>
-            </a:r>
-            <a:r>
-              <a:rPr lang="ar-SA" sz="3600" dirty="0"/>
-              <a:t>يمكن ذلك ؟ </a:t>
-            </a:r>
-          </a:p>
-          <a:p>
-            <a:pPr marL="571500" lvl="0" indent="-571500" algn="r" rtl="1">
-              <a:buFont typeface="Wingdings" panose="05000000000000000000" pitchFamily="2" charset="2"/>
-              <a:buChar char="Ø"/>
-            </a:pPr>
-            <a:r>
-              <a:rPr lang="ar-SA" sz="3600" dirty="0" smtClean="0"/>
-              <a:t>جد </a:t>
-            </a:r>
-            <a:r>
-              <a:rPr lang="ar-SA" sz="3600" dirty="0"/>
-              <a:t>التعليمة المناسبة للقيام بهذا العمل.</a:t>
-            </a:r>
-          </a:p>
-          <a:p>
-            <a:pPr marL="571500" lvl="0" indent="-571500" algn="r" rtl="1">
-              <a:buFont typeface="Wingdings" panose="05000000000000000000" pitchFamily="2" charset="2"/>
-              <a:buChar char="Ø"/>
-            </a:pPr>
-            <a:r>
-              <a:rPr lang="ar-SA" sz="3600" dirty="0" smtClean="0"/>
-              <a:t>يمكنك </a:t>
-            </a:r>
-            <a:r>
-              <a:rPr lang="ar-SA" sz="3600" dirty="0" err="1"/>
-              <a:t>الإستعانة</a:t>
-            </a:r>
-            <a:r>
-              <a:rPr lang="ar-SA" sz="3600" dirty="0"/>
-              <a:t> دائما بالخريطة </a:t>
-            </a:r>
-            <a:r>
-              <a:rPr lang="ar-SA" sz="3600" dirty="0" err="1"/>
-              <a:t>المفاهيمية</a:t>
-            </a:r>
-            <a:r>
-              <a:rPr lang="ar-SA" sz="3600" dirty="0"/>
-              <a:t>.</a:t>
-            </a:r>
-            <a:endParaRPr lang="fr-FR" sz="3600" dirty="0"/>
-          </a:p>
-        </p:txBody>
-      </p:sp>
+              <a:rPr lang="ar-DZ" sz="3600" dirty="0"/>
+              <a:t>استعانة بلوحة المفاتيح </a:t>
+            </a:r>
+            <a:r>
+              <a:rPr lang="ar-DZ" sz="3600" dirty="0" smtClean="0"/>
+              <a:t>لنتمكن</a:t>
+            </a:r>
+            <a:endParaRPr lang="fr-FR" sz="3600" dirty="0" smtClean="0"/>
+          </a:p>
+          <a:p>
+            <a:pPr algn="r" rtl="1"/>
+            <a:r>
+              <a:rPr lang="ar-DZ" sz="3600" dirty="0" smtClean="0"/>
+              <a:t> </a:t>
+            </a:r>
+            <a:r>
+              <a:rPr lang="ar-DZ" sz="3600" dirty="0"/>
+              <a:t>من كتابة بعض الحروف و </a:t>
+            </a:r>
+            <a:endParaRPr lang="fr-FR" sz="3600" dirty="0" smtClean="0"/>
+          </a:p>
+          <a:p>
+            <a:pPr algn="r" rtl="1"/>
+            <a:r>
+              <a:rPr lang="ar-DZ" sz="3600" dirty="0" smtClean="0"/>
+              <a:t>الرموز </a:t>
+            </a:r>
+            <a:r>
+              <a:rPr lang="ar-DZ" sz="3600" dirty="0"/>
+              <a:t>الغير الظاهرة </a:t>
+            </a:r>
+            <a:r>
+              <a:rPr lang="ar-DZ" sz="3600" dirty="0" smtClean="0"/>
+              <a:t>في</a:t>
+            </a:r>
+            <a:endParaRPr lang="fr-FR" sz="3600" dirty="0" smtClean="0"/>
+          </a:p>
+          <a:p>
+            <a:pPr algn="r" rtl="1"/>
+            <a:r>
+              <a:rPr lang="ar-DZ" sz="3600" dirty="0" smtClean="0"/>
+              <a:t> </a:t>
+            </a:r>
+            <a:r>
+              <a:rPr lang="ar-DZ" sz="3600" dirty="0"/>
+              <a:t>لوحة المفاتيح </a:t>
+            </a:r>
+          </a:p>
+        </p:txBody>
+      </p:sp>
+      <p:pic>
+        <p:nvPicPr>
+          <p:cNvPr id="4" name="Image 3"/>
+          <p:cNvPicPr/>
+          <p:nvPr/>
+        </p:nvPicPr>
+        <p:blipFill>
+          <a:blip r:embed="rId2">
+            <a:extLst>
+              <a:ext uri="{28A0092B-C50C-407E-A947-70E740481C1C}">
+                <a14:useLocalDpi xmlns:a14="http://schemas.microsoft.com/office/drawing/2010/main" val="0"/>
+              </a:ext>
+            </a:extLst>
+          </a:blip>
+          <a:stretch>
+            <a:fillRect/>
+          </a:stretch>
+        </p:blipFill>
+        <p:spPr>
+          <a:xfrm>
+            <a:off x="112734" y="648090"/>
+            <a:ext cx="7214992" cy="6065861"/>
+          </a:xfrm>
+          <a:prstGeom prst="rect">
+            <a:avLst/>
+          </a:prstGeom>
+        </p:spPr>
+      </p:pic>
     </p:spTree>
     <p:extLst>
       <p:ext uri="{BB962C8B-B14F-4D97-AF65-F5344CB8AC3E}">
@@ -4154,6 +3923,25 @@
 <file path=ppt/slides/slide5.xml><?xml version="1.0" encoding="utf-8"?>
 <p:sld xmlns:a="http://schemas.openxmlformats.org/drawingml/2006/main" xmlns:r="http://schemas.openxmlformats.org/officeDocument/2006/relationships" xmlns:p="http://schemas.openxmlformats.org/presentationml/2006/main">
   <p:cSld>
+    <p:bg>
+      <p:bgPr>
+        <a:gradFill>
+          <a:gsLst>
+            <a:gs pos="0">
+              <a:schemeClr val="bg1"/>
+            </a:gs>
+            <a:gs pos="100000">
+              <a:schemeClr val="accent4">
+                <a:lumMod val="20000"/>
+                <a:lumOff val="80000"/>
+              </a:schemeClr>
+            </a:gs>
+          </a:gsLst>
+          <a:lin ang="5400000" scaled="1"/>
+        </a:gradFill>
+        <a:effectLst/>
+      </p:bgPr>
+    </p:bg>
     <p:spTree>
       <p:nvGrpSpPr>
         <p:cNvPr id="1" name=""/>
@@ -4170,166 +3958,461 @@
       </p:grpSpPr>
       <p:sp>
         <p:nvSpPr>
-          <p:cNvPr id="13" name="Rectangle 12"/>
-          <p:cNvSpPr/>
+          <p:cNvPr id="6" name="Rectangle 5"/>
+          <p:cNvSpPr>
+            <a:spLocks noChangeArrowheads="1"/>
+          </p:cNvSpPr>
           <p:nvPr/>
         </p:nvSpPr>
-        <p:spPr>
+        <p:spPr bwMode="auto">
           <a:xfrm>
-            <a:off x="375781" y="366846"/>
-            <a:ext cx="11511419" cy="622799"/>
+            <a:off x="4829578" y="687878"/>
+            <a:ext cx="184731" cy="369332"/>
           </a:xfrm>
           <a:prstGeom prst="rect">
             <a:avLst/>
           </a:prstGeom>
+          <a:noFill/>
+          <a:ln>
+            <a:noFill/>
+          </a:ln>
+          <a:effectLst/>
+          <a:extLst>
+            <a:ext uri="{909E8E84-426E-40DD-AFC4-6F175D3DCCD1}">
+              <a14:hiddenFill xmlns:a14="http://schemas.microsoft.com/office/drawing/2010/main">
+                <a:solidFill>
+                  <a:schemeClr val="accent1"/>
+                </a:solidFill>
+              </a14:hiddenFill>
+            </a:ext>
+            <a:ext uri="{91240B29-F687-4F45-9708-019B960494DF}">
+              <a14:hiddenLine xmlns:a14="http://schemas.microsoft.com/office/drawing/2010/main" w="9525">
+                <a:solidFill>
+                  <a:schemeClr val="tx1"/>
+                </a:solidFill>
+                <a:miter lim="800000"/>
+                <a:headEnd/>
+                <a:tailEnd/>
+              </a14:hiddenLine>
+            </a:ext>
+            <a:ext uri="{AF507438-7753-43E0-B8FC-AC1667EBCBE1}">
+              <a14:hiddenEffects xmlns:a14="http://schemas.microsoft.com/office/drawing/2010/main">
+                <a:effectLst>
+                  <a:outerShdw dist="35921" dir="2700000" algn="ctr" rotWithShape="0">
+                    <a:schemeClr val="bg2"/>
+                  </a:outerShdw>
+                </a:effectLst>
+              </a14:hiddenEffects>
+            </a:ext>
+          </a:extLst>
         </p:spPr>
         <p:txBody>
-          <a:bodyPr wrap="square">
+          <a:bodyPr vert="horz" wrap="none" lIns="91440" tIns="45720" rIns="91440" bIns="45720" numCol="1" anchor="ctr" anchorCtr="0" compatLnSpc="1">
+            <a:prstTxWarp prst="textNoShape">
+              <a:avLst/>
+            </a:prstTxWarp>
             <a:spAutoFit/>
           </a:bodyPr>
           <a:lstStyle/>
           <a:p>
-            <a:pPr algn="r" rtl="1">
+            <a:pPr marL="0" marR="0" lvl="0" indent="0" algn="l" defTabSz="914400" rtl="0" eaLnBrk="0" fontAlgn="base" latinLnBrk="0" hangingPunct="0">
+              <a:lnSpc>
+                <a:spcPct val="100000"/>
+              </a:lnSpc>
+              <a:spcBef>
+                <a:spcPct val="0"/>
+              </a:spcBef>
+              <a:spcAft>
+                <a:spcPct val="0"/>
+              </a:spcAft>
+              <a:buClrTx/>
+              <a:buSzTx/>
+              <a:buFontTx/>
+              <a:buNone/>
+              <a:tabLst/>
+            </a:pPr>
+            <a:endParaRPr kumimoji="0" lang="fr-FR" sz="1800" b="1" i="0" u="none" strike="noStrike" cap="none" normalizeH="0" baseline="0" dirty="0" smtClean="0">
+              <a:ln>
+                <a:noFill/>
+              </a:ln>
+              <a:solidFill>
+                <a:schemeClr val="tx1"/>
+              </a:solidFill>
+              <a:effectLst/>
+              <a:latin typeface="Arial" panose="020B0604020202020204" pitchFamily="34" charset="0"/>
+              <a:cs typeface="Arial" panose="020B0604020202020204" pitchFamily="34" charset="0"/>
+            </a:endParaRPr>
+          </a:p>
+        </p:txBody>
+      </p:sp>
+      <p:sp>
+        <p:nvSpPr>
+          <p:cNvPr id="2" name="ZoneTexte 1"/>
+          <p:cNvSpPr txBox="1"/>
+          <p:nvPr/>
+        </p:nvSpPr>
+        <p:spPr>
+          <a:xfrm>
+            <a:off x="489429" y="872544"/>
+            <a:ext cx="11702571" cy="2665345"/>
+          </a:xfrm>
+          <a:prstGeom prst="rect">
+            <a:avLst/>
+          </a:prstGeom>
+          <a:noFill/>
+        </p:spPr>
+        <p:txBody>
+          <a:bodyPr wrap="square" rtlCol="1">
+            <a:spAutoFit/>
+          </a:bodyPr>
+          <a:lstStyle/>
+          <a:p>
+            <a:pPr marL="742950" lvl="1" indent="-285750" algn="r" rtl="1">
               <a:lnSpc>
                 <a:spcPct val="115000"/>
               </a:lnSpc>
               <a:spcAft>
-                <a:spcPts val="1000"/>
+                <a:spcPts val="800"/>
               </a:spcAft>
+              <a:buFont typeface="+mj-lt"/>
+              <a:buAutoNum type="arabicPeriod"/>
             </a:pPr>
             <a:r>
-              <a:rPr lang="ar-DZ" sz="3200" b="1" u="sng" dirty="0" smtClean="0">
-                <a:solidFill>
-                  <a:srgbClr val="FF0000"/>
-                </a:solidFill>
-                <a:effectLst/>
-                <a:latin typeface="Calibri" panose="020F0502020204030204" pitchFamily="34" charset="0"/>
-                <a:ea typeface="Times New Roman" panose="02020603050405020304" pitchFamily="18" charset="0"/>
-                <a:cs typeface="Times New Roman" panose="02020603050405020304" pitchFamily="18" charset="0"/>
+              <a:rPr lang="ar-DZ" sz="3200" dirty="0" smtClean="0">
+                <a:cs typeface="+mj-cs"/>
               </a:rPr>
-              <a:t>نشاط 03 :</a:t>
-            </a:r>
-            <a:r>
-              <a:rPr lang="ar-DZ" sz="3200" b="1" dirty="0" smtClean="0">
-                <a:solidFill>
-                  <a:srgbClr val="FF0000"/>
-                </a:solidFill>
-                <a:effectLst/>
-                <a:latin typeface="Calibri" panose="020F0502020204030204" pitchFamily="34" charset="0"/>
-                <a:ea typeface="Times New Roman" panose="02020603050405020304" pitchFamily="18" charset="0"/>
-                <a:cs typeface="Times New Roman" panose="02020603050405020304" pitchFamily="18" charset="0"/>
+              <a:t> نحدد </a:t>
+            </a:r>
+            <a:r>
+              <a:rPr lang="ar-DZ" sz="3200" dirty="0">
+                <a:cs typeface="+mj-cs"/>
               </a:rPr>
-              <a:t> </a:t>
-            </a:r>
-            <a:r>
-              <a:rPr lang="ar-DZ" sz="2800" b="1" dirty="0">
-                <a:solidFill>
-                  <a:srgbClr val="0070C0"/>
-                </a:solidFill>
+              <a:t>اللغة المناسبة من شريط المهام أو ننقر على المفتاحين </a:t>
+            </a:r>
+            <a:r>
+              <a:rPr lang="fr-FR" sz="3200" dirty="0">
+                <a:cs typeface="+mj-cs"/>
               </a:rPr>
-              <a:t>( حذف المجلد "صور" المتواجد على القرص  </a:t>
-            </a:r>
-            <a:r>
-              <a:rPr lang="fr-FR" sz="2800" b="1" dirty="0">
-                <a:solidFill>
-                  <a:srgbClr val="0070C0"/>
-                </a:solidFill>
+              <a:t>Alt </a:t>
+            </a:r>
+            <a:r>
+              <a:rPr lang="ar-DZ" sz="3200" dirty="0">
+                <a:cs typeface="+mj-cs"/>
               </a:rPr>
-              <a:t>D</a:t>
-            </a:r>
-            <a:r>
-              <a:rPr lang="ar-DZ" sz="2800" b="1" dirty="0">
-                <a:solidFill>
-                  <a:srgbClr val="0070C0"/>
-                </a:solidFill>
+              <a:t>  +</a:t>
+            </a:r>
+            <a:endParaRPr lang="fr-FR" sz="3200" dirty="0">
+              <a:cs typeface="+mj-cs"/>
+            </a:endParaRPr>
+          </a:p>
+          <a:p>
+            <a:pPr marL="742950" lvl="1" indent="-285750" algn="r" rtl="1">
+              <a:lnSpc>
+                <a:spcPct val="115000"/>
+              </a:lnSpc>
+              <a:spcAft>
+                <a:spcPts val="800"/>
+              </a:spcAft>
+              <a:buFont typeface="+mj-lt"/>
+              <a:buAutoNum type="arabicPeriod"/>
+            </a:pPr>
+            <a:r>
+              <a:rPr lang="ar-DZ" sz="3200" dirty="0" smtClean="0">
+                <a:cs typeface="+mj-cs"/>
               </a:rPr>
-              <a:t>)</a:t>
-            </a:r>
-            <a:endParaRPr lang="fr-FR" sz="2800" dirty="0">
-              <a:solidFill>
-                <a:srgbClr val="0070C0"/>
-              </a:solidFill>
+              <a:t> نحدد </a:t>
+            </a:r>
+            <a:r>
+              <a:rPr lang="ar-DZ" sz="3200" dirty="0">
+                <a:cs typeface="+mj-cs"/>
+              </a:rPr>
+              <a:t>اتجاه النص :</a:t>
+            </a:r>
+            <a:endParaRPr lang="fr-FR" sz="3200" dirty="0">
+              <a:cs typeface="+mj-cs"/>
             </a:endParaRPr>
           </a:p>
-        </p:txBody>
-      </p:sp>
-      <p:sp>
-        <p:nvSpPr>
-          <p:cNvPr id="2" name="Rectangle 1"/>
-          <p:cNvSpPr/>
+          <a:p>
+            <a:pPr marL="1143000" lvl="2" indent="-228600" algn="r" rtl="1">
+              <a:lnSpc>
+                <a:spcPct val="115000"/>
+              </a:lnSpc>
+              <a:spcAft>
+                <a:spcPts val="800"/>
+              </a:spcAft>
+              <a:buFont typeface="Arial" panose="020B0604020202020204" pitchFamily="34" charset="0"/>
+              <a:buChar char="-"/>
+            </a:pPr>
+            <a:r>
+              <a:rPr lang="ar-DZ" sz="3200" dirty="0">
+                <a:cs typeface="+mj-cs"/>
+              </a:rPr>
+              <a:t>للكتابة من اليمين إلى اليسار ننقر على الأداة </a:t>
+            </a:r>
+            <a:endParaRPr lang="fr-FR" sz="3200" dirty="0">
+              <a:cs typeface="+mj-cs"/>
+            </a:endParaRPr>
+          </a:p>
+          <a:p>
+            <a:pPr marL="1143000" lvl="2" indent="-228600" algn="r" rtl="1">
+              <a:lnSpc>
+                <a:spcPct val="115000"/>
+              </a:lnSpc>
+              <a:spcAft>
+                <a:spcPts val="800"/>
+              </a:spcAft>
+              <a:buFont typeface="Arial" panose="020B0604020202020204" pitchFamily="34" charset="0"/>
+              <a:buChar char="-"/>
+            </a:pPr>
+            <a:r>
+              <a:rPr lang="ar-DZ" sz="3200" dirty="0">
+                <a:cs typeface="+mj-cs"/>
+              </a:rPr>
+              <a:t>للكتابة من اليسار إلى اليمين ننقر على الأداة</a:t>
+            </a:r>
+            <a:endParaRPr lang="fr-FR" sz="3200" dirty="0">
+              <a:latin typeface="Calibri" panose="020F0502020204030204" pitchFamily="34" charset="0"/>
+              <a:ea typeface="Times New Roman" panose="02020603050405020304" pitchFamily="18" charset="0"/>
+              <a:cs typeface="+mj-cs"/>
+            </a:endParaRPr>
+          </a:p>
+        </p:txBody>
+      </p:sp>
+      <p:sp>
+        <p:nvSpPr>
+          <p:cNvPr id="9" name="ZoneTexte 8"/>
+          <p:cNvSpPr txBox="1"/>
           <p:nvPr/>
         </p:nvSpPr>
         <p:spPr>
           <a:xfrm>
-            <a:off x="375781" y="1302800"/>
-            <a:ext cx="11511419" cy="1754326"/>
+            <a:off x="3371708" y="262247"/>
+            <a:ext cx="8419764" cy="646331"/>
           </a:xfrm>
           <a:prstGeom prst="rect">
             <a:avLst/>
           </a:prstGeom>
+          <a:noFill/>
         </p:spPr>
         <p:txBody>
-          <a:bodyPr wrap="square">
+          <a:bodyPr wrap="square" rtlCol="1">
             <a:spAutoFit/>
           </a:bodyPr>
           <a:lstStyle/>
           <a:p>
-            <a:pPr marL="571500" lvl="0" indent="-571500" algn="r" rtl="1">
-              <a:buFont typeface="Wingdings" panose="05000000000000000000" pitchFamily="2" charset="2"/>
-              <a:buChar char="Ø"/>
+            <a:pPr marL="742950" indent="-742950" algn="r" rtl="1">
+              <a:buFont typeface="+mj-lt"/>
+              <a:buAutoNum type="arabicPeriod"/>
             </a:pPr>
             <a:r>
-              <a:rPr lang="ar-SA" sz="3600" dirty="0"/>
-              <a:t>لم تعد بحاجة إلى المجلد "صور" الموجود علي القرص </a:t>
-            </a:r>
-            <a:r>
-              <a:rPr lang="fr-FR" sz="3600" dirty="0"/>
-              <a:t>D</a:t>
-            </a:r>
-          </a:p>
-          <a:p>
-            <a:pPr marL="571500" lvl="0" indent="-571500" algn="r" rtl="1">
-              <a:buFont typeface="Wingdings" panose="05000000000000000000" pitchFamily="2" charset="2"/>
-              <a:buChar char="Ø"/>
-            </a:pPr>
-            <a:r>
-              <a:rPr lang="ar-DZ" sz="3600" dirty="0" smtClean="0"/>
-              <a:t>م</a:t>
-            </a:r>
-            <a:r>
-              <a:rPr lang="ar-DZ" sz="3600" dirty="0"/>
-              <a:t>ا</a:t>
-            </a:r>
-            <a:r>
-              <a:rPr lang="ar-SA" sz="3600" dirty="0" smtClean="0"/>
-              <a:t>ذا </a:t>
-            </a:r>
-            <a:r>
-              <a:rPr lang="ar-SA" sz="3600" dirty="0"/>
-              <a:t>ستفعل له ؟</a:t>
-            </a:r>
-          </a:p>
-          <a:p>
-            <a:pPr marL="571500" lvl="0" indent="-571500" algn="r" rtl="1">
-              <a:buFont typeface="Wingdings" panose="05000000000000000000" pitchFamily="2" charset="2"/>
-              <a:buChar char="Ø"/>
-            </a:pPr>
-            <a:r>
-              <a:rPr lang="ar-SA" sz="3600" dirty="0" smtClean="0"/>
-              <a:t>كيف </a:t>
-            </a:r>
-            <a:r>
-              <a:rPr lang="ar-SA" sz="3600" dirty="0"/>
-              <a:t>ذلك ؟ </a:t>
-            </a:r>
-            <a:endParaRPr lang="fr-FR" sz="3600" dirty="0"/>
-          </a:p>
-        </p:txBody>
-      </p:sp>
+              <a:rPr lang="ar-DZ" sz="3600" b="1" u="sng" dirty="0" smtClean="0">
+                <a:solidFill>
+                  <a:srgbClr val="FF0000"/>
+                </a:solidFill>
+                <a:cs typeface="+mj-cs"/>
+              </a:rPr>
+              <a:t>الكتابة في معالج النصوص </a:t>
+            </a:r>
+            <a:r>
+              <a:rPr lang="ar-DZ" sz="3600" b="1" u="sng" dirty="0" smtClean="0">
+                <a:solidFill>
+                  <a:srgbClr val="FF0000"/>
+                </a:solidFill>
+                <a:cs typeface="+mj-cs"/>
+              </a:rPr>
+              <a:t>:</a:t>
+            </a:r>
+            <a:endParaRPr lang="ar-DZ" sz="3600" b="1" u="sng" dirty="0">
+              <a:solidFill>
+                <a:srgbClr val="FF0000"/>
+              </a:solidFill>
+              <a:cs typeface="+mj-cs"/>
+            </a:endParaRPr>
+          </a:p>
+        </p:txBody>
+      </p:sp>
+      <p:grpSp>
+        <p:nvGrpSpPr>
+          <p:cNvPr id="7" name="Groupe 6"/>
+          <p:cNvGrpSpPr>
+            <a:grpSpLocks/>
+          </p:cNvGrpSpPr>
+          <p:nvPr/>
+        </p:nvGrpSpPr>
+        <p:grpSpPr bwMode="auto">
+          <a:xfrm>
+            <a:off x="1686319" y="950782"/>
+            <a:ext cx="874712" cy="433387"/>
+            <a:chOff x="5917" y="11010"/>
+            <a:chExt cx="510" cy="375"/>
+          </a:xfrm>
+        </p:grpSpPr>
+        <p:sp>
+          <p:nvSpPr>
+            <p:cNvPr id="8" name="Rectangle 7"/>
+            <p:cNvSpPr>
+              <a:spLocks noChangeArrowheads="1"/>
+            </p:cNvSpPr>
+            <p:nvPr/>
+          </p:nvSpPr>
+          <p:spPr bwMode="auto">
+            <a:xfrm>
+              <a:off x="5917" y="11010"/>
+              <a:ext cx="510" cy="375"/>
+            </a:xfrm>
+            <a:prstGeom prst="rect">
+              <a:avLst/>
+            </a:prstGeom>
+            <a:solidFill>
+              <a:srgbClr val="FFFFFF"/>
+            </a:solidFill>
+            <a:ln w="9525">
+              <a:solidFill>
+                <a:srgbClr val="000000"/>
+              </a:solidFill>
+              <a:miter lim="800000"/>
+              <a:headEnd/>
+              <a:tailEnd/>
+            </a:ln>
+          </p:spPr>
+          <p:txBody>
+            <a:bodyPr rot="0" vert="horz" wrap="square" lIns="91440" tIns="45720" rIns="91440" bIns="45720" anchor="t" anchorCtr="0" upright="1">
+              <a:noAutofit/>
+            </a:bodyPr>
+            <a:lstStyle/>
+            <a:p>
+              <a:endParaRPr lang="fr-FR"/>
+            </a:p>
+          </p:txBody>
+        </p:sp>
+        <p:sp>
+          <p:nvSpPr>
+            <p:cNvPr id="10" name="AutoShape 4"/>
+            <p:cNvSpPr>
+              <a:spLocks noChangeArrowheads="1"/>
+            </p:cNvSpPr>
+            <p:nvPr/>
+          </p:nvSpPr>
+          <p:spPr bwMode="auto">
+            <a:xfrm flipV="1">
+              <a:off x="6096" y="11040"/>
+              <a:ext cx="143" cy="300"/>
+            </a:xfrm>
+            <a:prstGeom prst="downArrow">
+              <a:avLst>
+                <a:gd name="adj1" fmla="val 50000"/>
+                <a:gd name="adj2" fmla="val 52448"/>
+              </a:avLst>
+            </a:prstGeom>
+            <a:solidFill>
+              <a:srgbClr val="FFFFFF"/>
+            </a:solidFill>
+            <a:ln w="9525">
+              <a:solidFill>
+                <a:srgbClr val="000000"/>
+              </a:solidFill>
+              <a:miter lim="800000"/>
+              <a:headEnd/>
+              <a:tailEnd/>
+            </a:ln>
+          </p:spPr>
+          <p:txBody>
+            <a:bodyPr rot="0" vert="eaVert" wrap="square" lIns="91440" tIns="45720" rIns="91440" bIns="45720" anchor="t" anchorCtr="0" upright="1">
+              <a:noAutofit/>
+            </a:bodyPr>
+            <a:lstStyle/>
+            <a:p>
+              <a:endParaRPr lang="fr-FR"/>
+            </a:p>
+          </p:txBody>
+        </p:sp>
+      </p:grpSp>
+      <p:pic>
+        <p:nvPicPr>
+          <p:cNvPr id="3074" name="Image 538889921"/>
+          <p:cNvPicPr>
+            <a:picLocks noChangeAspect="1" noChangeArrowheads="1"/>
+          </p:cNvPicPr>
+          <p:nvPr/>
+        </p:nvPicPr>
+        <p:blipFill>
+          <a:blip r:embed="rId2">
+            <a:extLst>
+              <a:ext uri="{28A0092B-C50C-407E-A947-70E740481C1C}">
+                <a14:useLocalDpi xmlns:a14="http://schemas.microsoft.com/office/drawing/2010/main" val="0"/>
+              </a:ext>
+            </a:extLst>
+          </a:blip>
+          <a:srcRect/>
+          <a:stretch>
+            <a:fillRect/>
+          </a:stretch>
+        </p:blipFill>
+        <p:spPr bwMode="auto">
+          <a:xfrm>
+            <a:off x="4729368" y="2205216"/>
+            <a:ext cx="569882" cy="569882"/>
+          </a:xfrm>
+          <a:prstGeom prst="rect">
+            <a:avLst/>
+          </a:prstGeom>
+          <a:noFill/>
+          <a:extLst>
+            <a:ext uri="{909E8E84-426E-40DD-AFC4-6F175D3DCCD1}">
+              <a14:hiddenFill xmlns:a14="http://schemas.microsoft.com/office/drawing/2010/main">
+                <a:solidFill>
+                  <a:srgbClr val="FFFFFF"/>
+                </a:solidFill>
+              </a14:hiddenFill>
+            </a:ext>
+          </a:extLst>
+        </p:spPr>
+      </p:pic>
+      <p:pic>
+        <p:nvPicPr>
+          <p:cNvPr id="3073" name="Image 538889922"/>
+          <p:cNvPicPr>
+            <a:picLocks noChangeAspect="1" noChangeArrowheads="1"/>
+          </p:cNvPicPr>
+          <p:nvPr/>
+        </p:nvPicPr>
+        <p:blipFill>
+          <a:blip r:embed="rId3">
+            <a:extLst>
+              <a:ext uri="{28A0092B-C50C-407E-A947-70E740481C1C}">
+                <a14:useLocalDpi xmlns:a14="http://schemas.microsoft.com/office/drawing/2010/main" val="0"/>
+              </a:ext>
+            </a:extLst>
+          </a:blip>
+          <a:srcRect/>
+          <a:stretch>
+            <a:fillRect/>
+          </a:stretch>
+        </p:blipFill>
+        <p:spPr bwMode="auto">
+          <a:xfrm>
+            <a:off x="4729368" y="2959764"/>
+            <a:ext cx="551641" cy="531940"/>
+          </a:xfrm>
+          <a:prstGeom prst="rect">
+            <a:avLst/>
+          </a:prstGeom>
+          <a:noFill/>
+          <a:extLst>
+            <a:ext uri="{909E8E84-426E-40DD-AFC4-6F175D3DCCD1}">
+              <a14:hiddenFill xmlns:a14="http://schemas.microsoft.com/office/drawing/2010/main">
+                <a:solidFill>
+                  <a:srgbClr val="FFFFFF"/>
+                </a:solidFill>
+              </a14:hiddenFill>
+            </a:ext>
+          </a:extLst>
+        </p:spPr>
+      </p:pic>
     </p:spTree>
     <p:extLst>
       <p:ext uri="{BB962C8B-B14F-4D97-AF65-F5344CB8AC3E}">
-        <p14:creationId xmlns:p14="http://schemas.microsoft.com/office/powerpoint/2010/main" val="3238671311"/>
+        <p14:creationId xmlns:p14="http://schemas.microsoft.com/office/powerpoint/2010/main" val="4076906244"/>
       </p:ext>
     </p:extLst>
   </p:cSld>
@@ -4479,323 +4562,6 @@
       </p:sp>
       <p:sp>
         <p:nvSpPr>
-          <p:cNvPr id="2" name="ZoneTexte 1"/>
-          <p:cNvSpPr txBox="1"/>
-          <p:nvPr/>
-        </p:nvSpPr>
-        <p:spPr>
-          <a:xfrm>
-            <a:off x="88901" y="988758"/>
-            <a:ext cx="11702571" cy="1754326"/>
-          </a:xfrm>
-          <a:prstGeom prst="rect">
-            <a:avLst/>
-          </a:prstGeom>
-          <a:noFill/>
-        </p:spPr>
-        <p:txBody>
-          <a:bodyPr wrap="square" rtlCol="1">
-            <a:spAutoFit/>
-          </a:bodyPr>
-          <a:lstStyle/>
-          <a:p>
-            <a:pPr marL="571500" indent="-571500" algn="r" rtl="1">
-              <a:buFont typeface="Arial" panose="020B0604020202020204" pitchFamily="34" charset="0"/>
-              <a:buChar char="•"/>
-            </a:pPr>
-            <a:r>
-              <a:rPr lang="ar-DZ" sz="3600" dirty="0" smtClean="0">
-                <a:cs typeface="+mj-cs"/>
-              </a:rPr>
-              <a:t>ننقر </a:t>
-            </a:r>
-            <a:r>
-              <a:rPr lang="ar-DZ" sz="3600" dirty="0">
-                <a:cs typeface="+mj-cs"/>
-              </a:rPr>
-              <a:t>بالزر الأيمن للفأرة على الملف أو المجلد فتظهر لنا قائمة الخيارات</a:t>
-            </a:r>
-          </a:p>
-          <a:p>
-            <a:pPr marL="571500" indent="-571500" algn="r" rtl="1">
-              <a:buFont typeface="Arial" panose="020B0604020202020204" pitchFamily="34" charset="0"/>
-              <a:buChar char="•"/>
-            </a:pPr>
-            <a:r>
-              <a:rPr lang="ar-DZ" sz="3600" dirty="0" smtClean="0">
-                <a:cs typeface="+mj-cs"/>
-              </a:rPr>
-              <a:t>نختار </a:t>
-            </a:r>
-            <a:r>
-              <a:rPr lang="ar-DZ" sz="3600" dirty="0">
-                <a:cs typeface="+mj-cs"/>
-              </a:rPr>
-              <a:t>نسخ </a:t>
-            </a:r>
-            <a:r>
-              <a:rPr lang="fr-FR" sz="3600" dirty="0" smtClean="0">
-                <a:cs typeface="+mj-cs"/>
-              </a:rPr>
-              <a:t>copier </a:t>
-            </a:r>
-            <a:r>
-              <a:rPr lang="ar-DZ" sz="3600" dirty="0" smtClean="0">
-                <a:cs typeface="+mj-cs"/>
-              </a:rPr>
-              <a:t> لعملية </a:t>
-            </a:r>
-            <a:r>
-              <a:rPr lang="ar-DZ" sz="3600" dirty="0">
-                <a:cs typeface="+mj-cs"/>
-              </a:rPr>
-              <a:t>النسخ أو نختار </a:t>
-            </a:r>
-            <a:r>
-              <a:rPr lang="ar-DZ" sz="3600" dirty="0" smtClean="0">
-                <a:cs typeface="+mj-cs"/>
-              </a:rPr>
-              <a:t>قص</a:t>
-            </a:r>
-            <a:r>
-              <a:rPr lang="fr-FR" sz="3600" dirty="0" smtClean="0">
-                <a:cs typeface="+mj-cs"/>
-              </a:rPr>
-              <a:t> couper </a:t>
-            </a:r>
-            <a:r>
-              <a:rPr lang="ar-DZ" sz="3600" dirty="0">
-                <a:cs typeface="+mj-cs"/>
-              </a:rPr>
-              <a:t>لعملية النقل </a:t>
-            </a:r>
-          </a:p>
-          <a:p>
-            <a:pPr marL="571500" indent="-571500" algn="r" rtl="1">
-              <a:buFont typeface="Arial" panose="020B0604020202020204" pitchFamily="34" charset="0"/>
-              <a:buChar char="•"/>
-            </a:pPr>
-            <a:r>
-              <a:rPr lang="ar-DZ" sz="3600" dirty="0" smtClean="0">
-                <a:cs typeface="+mj-cs"/>
-              </a:rPr>
-              <a:t>نختار </a:t>
-            </a:r>
-            <a:r>
-              <a:rPr lang="ar-DZ" sz="3600" dirty="0">
-                <a:cs typeface="+mj-cs"/>
-              </a:rPr>
-              <a:t>مكان للصق ثم نضغط بالزر الأيمن للفأرة ونختار من القائمة</a:t>
-            </a:r>
-            <a:r>
-              <a:rPr lang="fr-FR" sz="3600" dirty="0">
-                <a:cs typeface="+mj-cs"/>
-              </a:rPr>
-              <a:t>Coller </a:t>
-            </a:r>
-            <a:endParaRPr lang="ar-DZ" sz="3600" dirty="0">
-              <a:cs typeface="+mj-cs"/>
-            </a:endParaRPr>
-          </a:p>
-        </p:txBody>
-      </p:sp>
-      <p:sp>
-        <p:nvSpPr>
-          <p:cNvPr id="9" name="ZoneTexte 8"/>
-          <p:cNvSpPr txBox="1"/>
-          <p:nvPr/>
-        </p:nvSpPr>
-        <p:spPr>
-          <a:xfrm>
-            <a:off x="3371708" y="262247"/>
-            <a:ext cx="8419764" cy="646331"/>
-          </a:xfrm>
-          <a:prstGeom prst="rect">
-            <a:avLst/>
-          </a:prstGeom>
-          <a:noFill/>
-        </p:spPr>
-        <p:txBody>
-          <a:bodyPr wrap="square" rtlCol="1">
-            <a:spAutoFit/>
-          </a:bodyPr>
-          <a:lstStyle/>
-          <a:p>
-            <a:pPr marL="742950" indent="-742950" algn="r" rtl="1">
-              <a:buFont typeface="+mj-lt"/>
-              <a:buAutoNum type="arabicPeriod"/>
-            </a:pPr>
-            <a:r>
-              <a:rPr lang="ar-DZ" sz="3600" b="1" u="sng" dirty="0" smtClean="0">
-                <a:solidFill>
-                  <a:srgbClr val="FF0000"/>
-                </a:solidFill>
-                <a:cs typeface="+mj-cs"/>
-              </a:rPr>
-              <a:t>نقل أو نسخ ملف أو مجلد :</a:t>
-            </a:r>
-            <a:endParaRPr lang="ar-DZ" sz="3600" b="1" u="sng" dirty="0">
-              <a:solidFill>
-                <a:srgbClr val="FF0000"/>
-              </a:solidFill>
-              <a:cs typeface="+mj-cs"/>
-            </a:endParaRPr>
-          </a:p>
-        </p:txBody>
-      </p:sp>
-    </p:spTree>
-    <p:extLst>
-      <p:ext uri="{BB962C8B-B14F-4D97-AF65-F5344CB8AC3E}">
-        <p14:creationId xmlns:p14="http://schemas.microsoft.com/office/powerpoint/2010/main" val="4076906244"/>
-      </p:ext>
-    </p:extLst>
-  </p:cSld>
-  <p:clrMapOvr>
-    <a:masterClrMapping/>
-  </p:clrMapOvr>
-  <p:transition spd="slow">
-    <p:push dir="u"/>
-  </p:transition>
-  <p:timing>
-    <p:tnLst>
-      <p:par>
-        <p:cTn id="1" dur="indefinite" restart="never" nodeType="tmRoot"/>
-      </p:par>
-    </p:tnLst>
-  </p:timing>
-</p:sld>
-</file>
-
-<file path=ppt/slides/slide7.xml><?xml version="1.0" encoding="utf-8"?>
-<p:sld xmlns:a="http://schemas.openxmlformats.org/drawingml/2006/main" xmlns:r="http://schemas.openxmlformats.org/officeDocument/2006/relationships" xmlns:p="http://schemas.openxmlformats.org/presentationml/2006/main">
-  <p:cSld>
-    <p:bg>
-      <p:bgPr>
-        <a:gradFill>
-          <a:gsLst>
-            <a:gs pos="0">
-              <a:schemeClr val="accent1">
-                <a:lumMod val="5000"/>
-                <a:lumOff val="95000"/>
-              </a:schemeClr>
-            </a:gs>
-            <a:gs pos="100000">
-              <a:schemeClr val="accent1">
-                <a:lumMod val="40000"/>
-                <a:lumOff val="60000"/>
-              </a:schemeClr>
-            </a:gs>
-          </a:gsLst>
-          <a:lin ang="5400000" scaled="1"/>
-        </a:gradFill>
-        <a:effectLst/>
-      </p:bgPr>
-    </p:bg>
-    <p:spTree>
-      <p:nvGrpSpPr>
-        <p:cNvPr id="1" name=""/>
-        <p:cNvGrpSpPr/>
-        <p:nvPr/>
-      </p:nvGrpSpPr>
-      <p:grpSpPr>
-        <a:xfrm>
-          <a:off x="0" y="0"/>
-          <a:ext cx="0" cy="0"/>
-          <a:chOff x="0" y="0"/>
-          <a:chExt cx="0" cy="0"/>
-        </a:xfrm>
-      </p:grpSpPr>
-      <p:sp>
-        <p:nvSpPr>
-          <p:cNvPr id="6" name="Rectangle 5"/>
-          <p:cNvSpPr>
-            <a:spLocks noChangeArrowheads="1"/>
-          </p:cNvSpPr>
-          <p:nvPr/>
-        </p:nvSpPr>
-        <p:spPr bwMode="auto">
-          <a:xfrm>
-            <a:off x="4829578" y="687878"/>
-            <a:ext cx="184731" cy="369332"/>
-          </a:xfrm>
-          <a:prstGeom prst="rect">
-            <a:avLst/>
-          </a:prstGeom>
-          <a:noFill/>
-          <a:ln>
-            <a:noFill/>
-          </a:ln>
-          <a:effectLst/>
-          <a:extLst>
-            <a:ext uri="{909E8E84-426E-40DD-AFC4-6F175D3DCCD1}">
-              <a14:hiddenFill xmlns:a14="http://schemas.microsoft.com/office/drawing/2010/main">
-                <a:solidFill>
-                  <a:schemeClr val="accent1"/>
-                </a:solidFill>
-              </a14:hiddenFill>
-            </a:ext>
-            <a:ext uri="{91240B29-F687-4F45-9708-019B960494DF}">
-              <a14:hiddenLine xmlns:a14="http://schemas.microsoft.com/office/drawing/2010/main" w="9525">
-                <a:solidFill>
-                  <a:schemeClr val="tx1"/>
-                </a:solidFill>
-                <a:miter lim="800000"/>
-                <a:headEnd/>
-                <a:tailEnd/>
-              </a14:hiddenLine>
-            </a:ext>
-            <a:ext uri="{AF507438-7753-43E0-B8FC-AC1667EBCBE1}">
-              <a14:hiddenEffects xmlns:a14="http://schemas.microsoft.com/office/drawing/2010/main">
-                <a:effectLst>
-                  <a:outerShdw dist="35921" dir="2700000" algn="ctr" rotWithShape="0">
-                    <a:schemeClr val="bg2"/>
-                  </a:outerShdw>
-                </a:effectLst>
-              </a14:hiddenEffects>
-            </a:ext>
-          </a:extLst>
-        </p:spPr>
-        <p:txBody>
-          <a:bodyPr vert="horz" wrap="none" lIns="91440" tIns="45720" rIns="91440" bIns="45720" numCol="1" anchor="ctr" anchorCtr="0" compatLnSpc="1">
-            <a:prstTxWarp prst="textNoShape">
-              <a:avLst/>
-            </a:prstTxWarp>
-            <a:spAutoFit/>
-          </a:bodyPr>
-          <a:lstStyle/>
-          <a:p>
-            <a:pPr marL="0" marR="0" lvl="0" indent="0" algn="l" defTabSz="914400" rtl="0" eaLnBrk="0" fontAlgn="base" latinLnBrk="0" hangingPunct="0">
-              <a:lnSpc>
-                <a:spcPct val="100000"/>
-              </a:lnSpc>
-              <a:spcBef>
-                <a:spcPct val="0"/>
-              </a:spcBef>
-              <a:spcAft>
-                <a:spcPct val="0"/>
-              </a:spcAft>
-              <a:buClrTx/>
-              <a:buSzTx/>
-              <a:buFontTx/>
-              <a:buNone/>
-              <a:tabLst/>
-            </a:pPr>
-            <a:endParaRPr kumimoji="0" lang="fr-FR" sz="1800" b="1" i="0" u="none" strike="noStrike" cap="none" normalizeH="0" baseline="0" dirty="0" smtClean="0">
-              <a:ln>
-                <a:noFill/>
-              </a:ln>
-              <a:solidFill>
-                <a:schemeClr val="tx1"/>
-              </a:solidFill>
-              <a:effectLst/>
-              <a:latin typeface="Arial" panose="020B0604020202020204" pitchFamily="34" charset="0"/>
-              <a:cs typeface="Arial" panose="020B0604020202020204" pitchFamily="34" charset="0"/>
-            </a:endParaRPr>
-          </a:p>
-        </p:txBody>
-      </p:sp>
-      <p:sp>
-        <p:nvSpPr>
           <p:cNvPr id="10" name="ZoneTexte 9"/>
           <p:cNvSpPr txBox="1"/>
           <p:nvPr/>
@@ -4827,82 +4593,12 @@
                 </a:solidFill>
                 <a:cs typeface="+mj-cs"/>
               </a:rPr>
-              <a:t>حذف ملف أو مجلد </a:t>
-            </a:r>
-            <a:r>
-              <a:rPr lang="ar-DZ" sz="3600" b="1" u="sng" dirty="0">
-                <a:solidFill>
-                  <a:srgbClr val="FF0000"/>
-                </a:solidFill>
-                <a:cs typeface="+mj-cs"/>
-              </a:rPr>
-              <a:t>:</a:t>
-            </a:r>
-          </a:p>
-        </p:txBody>
-      </p:sp>
-      <p:sp>
-        <p:nvSpPr>
-          <p:cNvPr id="4" name="Rectangle 3"/>
-          <p:cNvSpPr/>
-          <p:nvPr/>
-        </p:nvSpPr>
-        <p:spPr>
-          <a:xfrm>
-            <a:off x="300625" y="1057210"/>
-            <a:ext cx="11490847" cy="1200329"/>
-          </a:xfrm>
-          <a:prstGeom prst="rect">
-            <a:avLst/>
-          </a:prstGeom>
-        </p:spPr>
-        <p:txBody>
-          <a:bodyPr wrap="square">
-            <a:spAutoFit/>
-          </a:bodyPr>
-          <a:lstStyle/>
-          <a:p>
-            <a:pPr marL="571500" indent="-571500" algn="r" rtl="1">
-              <a:buFont typeface="Arial" panose="020B0604020202020204" pitchFamily="34" charset="0"/>
-              <a:buChar char="•"/>
-            </a:pPr>
-            <a:r>
-              <a:rPr lang="ar-DZ" sz="3600" dirty="0" smtClean="0">
-                <a:cs typeface="+mj-cs"/>
-              </a:rPr>
-              <a:t>ننقر </a:t>
-            </a:r>
-            <a:r>
-              <a:rPr lang="ar-DZ" sz="3600" dirty="0">
-                <a:cs typeface="+mj-cs"/>
-              </a:rPr>
-              <a:t>بالزر الأيمن للفأرة على الملف أو المجلد الذي نريد حذفه</a:t>
-            </a:r>
-          </a:p>
-          <a:p>
-            <a:pPr marL="571500" indent="-571500" algn="r" rtl="1">
-              <a:buFont typeface="Arial" panose="020B0604020202020204" pitchFamily="34" charset="0"/>
-              <a:buChar char="•"/>
-            </a:pPr>
-            <a:r>
-              <a:rPr lang="ar-DZ" sz="3600" dirty="0" smtClean="0">
-                <a:cs typeface="+mj-cs"/>
-              </a:rPr>
-              <a:t>نختار </a:t>
-            </a:r>
-            <a:r>
-              <a:rPr lang="ar-DZ" sz="3600" dirty="0">
-                <a:cs typeface="+mj-cs"/>
-              </a:rPr>
-              <a:t>من القائمة حذف </a:t>
-            </a:r>
-            <a:r>
-              <a:rPr lang="fr-FR" sz="3600" dirty="0">
-                <a:cs typeface="+mj-cs"/>
-              </a:rPr>
-              <a:t>Supprimer</a:t>
-            </a:r>
-            <a:endParaRPr lang="ar-DZ" sz="3600" dirty="0">
+              <a:t>أهم المفاتيح الموجودة في لوحة المفاتيح :</a:t>
+            </a:r>
+            <a:endParaRPr lang="ar-DZ" sz="3600" b="1" u="sng" dirty="0">
+              <a:solidFill>
+                <a:srgbClr val="FF0000"/>
+              </a:solidFill>
               <a:cs typeface="+mj-cs"/>
             </a:endParaRPr>
           </a:p>
@@ -4910,7 +4606,7 @@
       </p:sp>
       <p:pic>
         <p:nvPicPr>
-          <p:cNvPr id="5" name="Image 4"/>
+          <p:cNvPr id="7" name="Image 6"/>
           <p:cNvPicPr/>
           <p:nvPr/>
         </p:nvPicPr>
@@ -4928,17 +4624,12 @@
         </p:blipFill>
         <p:spPr>
           <a:xfrm>
-            <a:off x="4221271" y="2561900"/>
-            <a:ext cx="4160063" cy="3901531"/>
+            <a:off x="2447777" y="1057210"/>
+            <a:ext cx="7540283" cy="5568674"/>
           </a:xfrm>
           <a:prstGeom prst="rect">
             <a:avLst/>
           </a:prstGeom>
-          <a:ln w="38100">
-            <a:solidFill>
-              <a:schemeClr val="tx1"/>
-            </a:solidFill>
-          </a:ln>
         </p:spPr>
       </p:pic>
     </p:spTree>
@@ -4964,7 +4655,7 @@
 </p:sld>
 </file>
 
-<file path=ppt/slides/slide8.xml><?xml version="1.0" encoding="utf-8"?>
+<file path=ppt/slides/slide7.xml><?xml version="1.0" encoding="utf-8"?>
 <p:sld xmlns:a="http://schemas.openxmlformats.org/drawingml/2006/main" xmlns:r="http://schemas.openxmlformats.org/officeDocument/2006/relationships" xmlns:p="http://schemas.openxmlformats.org/presentationml/2006/main">
   <p:cSld>
     <p:bg>
@@ -5037,7 +4728,7 @@
         <p:spPr>
           <a:xfrm>
             <a:off x="316109" y="1040119"/>
-            <a:ext cx="11618400" cy="1569660"/>
+            <a:ext cx="11618400" cy="3416320"/>
           </a:xfrm>
           <a:prstGeom prst="rect">
             <a:avLst/>
@@ -5055,29 +4746,38 @@
               <a:buChar char="Ø"/>
             </a:pPr>
             <a:r>
-              <a:rPr lang="ar-DZ" sz="3200" dirty="0"/>
-              <a:t>قم بتشغيل ايقونة  </a:t>
-            </a:r>
-            <a:r>
-              <a:rPr lang="fr-FR" sz="3200" dirty="0"/>
-              <a:t>Ce </a:t>
-            </a:r>
-            <a:r>
-              <a:rPr lang="fr-FR" sz="3200" dirty="0" smtClean="0"/>
-              <a:t>PC</a:t>
-            </a:r>
-            <a:r>
-              <a:rPr lang="ar-DZ" sz="3200" dirty="0" smtClean="0"/>
-              <a:t>  وادخل </a:t>
-            </a:r>
-            <a:r>
-              <a:rPr lang="ar-DZ" sz="3200" dirty="0"/>
-              <a:t>الى القرص </a:t>
-            </a:r>
-            <a:r>
-              <a:rPr lang="fr-FR" sz="3200" dirty="0"/>
-              <a:t>D</a:t>
-            </a:r>
+              <a:rPr lang="ar-DZ" sz="3600" dirty="0" smtClean="0"/>
+              <a:t>بعد </a:t>
+            </a:r>
+            <a:r>
+              <a:rPr lang="ar-DZ" sz="3600" dirty="0"/>
+              <a:t>انشائك لوثيقة معالج النصوص، قم بكتابة الجملة التالية : </a:t>
+            </a:r>
+            <a:endParaRPr lang="ar-DZ" sz="3600" dirty="0" smtClean="0"/>
+          </a:p>
+          <a:p>
+            <a:pPr algn="r" rtl="1"/>
+            <a:endParaRPr lang="ar-DZ" sz="3600" dirty="0"/>
+          </a:p>
+          <a:p>
+            <a:pPr algn="r" rtl="1"/>
+            <a:r>
+              <a:rPr lang="ar-DZ" sz="3600" dirty="0"/>
+              <a:t>"</a:t>
+            </a:r>
+            <a:r>
+              <a:rPr lang="ar-DZ" sz="3600" dirty="0" err="1"/>
+              <a:t>إحرص</a:t>
+            </a:r>
+            <a:r>
+              <a:rPr lang="ar-DZ" sz="3600" dirty="0"/>
+              <a:t> على سماع كلّ كلمةٍ تُقال أثناء اليوم الدراسي، وتُسجّلها، لأنك حتماً ستحتاج إليها : فكلما عملت بجد من أجل شيء ما، زادت سعادتك عند تحقيقيه." </a:t>
+            </a:r>
+            <a:endParaRPr lang="ar-DZ" sz="3600" dirty="0" smtClean="0"/>
+          </a:p>
+          <a:p>
+            <a:pPr algn="r" rtl="1"/>
+            <a:endParaRPr lang="ar-DZ" sz="3600" dirty="0"/>
           </a:p>
           <a:p>
             <a:pPr marL="457200" indent="-457200" algn="r" rtl="1">
@@ -5085,24 +4785,12 @@
               <a:buChar char="Ø"/>
             </a:pPr>
             <a:r>
-              <a:rPr lang="ar-DZ" sz="3200" dirty="0"/>
-              <a:t>ق</a:t>
-            </a:r>
-            <a:r>
-              <a:rPr lang="ar-DZ" sz="3200" dirty="0" smtClean="0"/>
-              <a:t>م </a:t>
-            </a:r>
-            <a:r>
-              <a:rPr lang="ar-DZ" sz="3200" dirty="0"/>
-              <a:t>بنقل المجلد الذي يحمل "</a:t>
-            </a:r>
-            <a:r>
-              <a:rPr lang="ar-DZ" sz="3200" dirty="0" err="1"/>
-              <a:t>إسمك</a:t>
-            </a:r>
-            <a:r>
-              <a:rPr lang="ar-DZ" sz="3200" dirty="0"/>
-              <a:t> لقبك" الذي انشأته في الحصة الماضية  إلى داخل المجلد الذي يحمل اسم قسمك (1م1 أو 1م2)</a:t>
+              <a:rPr lang="ar-DZ" sz="3600" dirty="0" smtClean="0"/>
+              <a:t>قم </a:t>
+            </a:r>
+            <a:r>
+              <a:rPr lang="ar-DZ" sz="3600" dirty="0"/>
+              <a:t>بحفظ هذه الوثيقة تحت اسمك في مجلدك الموجود على سطح المكتب </a:t>
             </a:r>
           </a:p>
         </p:txBody>
